--- a/doc/BAMOE Integration - Bot Orchestration with IBM RPA and PAM.pptx
+++ b/doc/BAMOE Integration - Bot Orchestration with IBM RPA and PAM.pptx
@@ -212,7 +212,7 @@
           <a:p>
             <a:fld id="{E692155B-7F18-498C-9BFA-FBEF28EA456D}" type="datetimeFigureOut">
               <a:rPr lang="en-CA" smtClean="0"/>
-              <a:t>2023-02-07</a:t>
+              <a:t>2023-02-08</a:t>
             </a:fld>
             <a:endParaRPr lang="en-CA"/>
           </a:p>
@@ -1415,7 +1415,7 @@
           <a:p>
             <a:fld id="{BEA4FACC-574A-41DD-ACBD-E66D657D283B}" type="datetimeFigureOut">
               <a:rPr lang="en-CA" smtClean="0"/>
-              <a:t>2023-02-07</a:t>
+              <a:t>2023-02-08</a:t>
             </a:fld>
             <a:endParaRPr lang="en-CA"/>
           </a:p>
@@ -1615,7 +1615,7 @@
           <a:p>
             <a:fld id="{BEA4FACC-574A-41DD-ACBD-E66D657D283B}" type="datetimeFigureOut">
               <a:rPr lang="en-CA" smtClean="0"/>
-              <a:t>2023-02-07</a:t>
+              <a:t>2023-02-08</a:t>
             </a:fld>
             <a:endParaRPr lang="en-CA"/>
           </a:p>
@@ -1825,7 +1825,7 @@
           <a:p>
             <a:fld id="{BEA4FACC-574A-41DD-ACBD-E66D657D283B}" type="datetimeFigureOut">
               <a:rPr lang="en-CA" smtClean="0"/>
-              <a:t>2023-02-07</a:t>
+              <a:t>2023-02-08</a:t>
             </a:fld>
             <a:endParaRPr lang="en-CA"/>
           </a:p>
@@ -3201,7 +3201,7 @@
           <a:p>
             <a:fld id="{BEA4FACC-574A-41DD-ACBD-E66D657D283B}" type="datetimeFigureOut">
               <a:rPr lang="en-CA" smtClean="0"/>
-              <a:t>2023-02-07</a:t>
+              <a:t>2023-02-08</a:t>
             </a:fld>
             <a:endParaRPr lang="en-CA"/>
           </a:p>
@@ -4911,7 +4911,7 @@
           <a:p>
             <a:fld id="{BEA4FACC-574A-41DD-ACBD-E66D657D283B}" type="datetimeFigureOut">
               <a:rPr lang="en-CA" smtClean="0"/>
-              <a:t>2023-02-07</a:t>
+              <a:t>2023-02-08</a:t>
             </a:fld>
             <a:endParaRPr lang="en-CA"/>
           </a:p>
@@ -6997,7 +6997,7 @@
           <a:p>
             <a:fld id="{BEA4FACC-574A-41DD-ACBD-E66D657D283B}" type="datetimeFigureOut">
               <a:rPr lang="en-CA" smtClean="0"/>
-              <a:t>2023-02-07</a:t>
+              <a:t>2023-02-08</a:t>
             </a:fld>
             <a:endParaRPr lang="en-CA"/>
           </a:p>
@@ -9098,7 +9098,7 @@
           <a:p>
             <a:fld id="{BEA4FACC-574A-41DD-ACBD-E66D657D283B}" type="datetimeFigureOut">
               <a:rPr lang="en-CA" smtClean="0"/>
-              <a:t>2023-02-07</a:t>
+              <a:t>2023-02-08</a:t>
             </a:fld>
             <a:endParaRPr lang="en-CA"/>
           </a:p>
@@ -9513,7 +9513,7 @@
           <a:p>
             <a:fld id="{BEA4FACC-574A-41DD-ACBD-E66D657D283B}" type="datetimeFigureOut">
               <a:rPr lang="en-CA" smtClean="0"/>
-              <a:t>2023-02-07</a:t>
+              <a:t>2023-02-08</a:t>
             </a:fld>
             <a:endParaRPr lang="en-CA"/>
           </a:p>
@@ -9655,7 +9655,7 @@
           <a:p>
             <a:fld id="{BEA4FACC-574A-41DD-ACBD-E66D657D283B}" type="datetimeFigureOut">
               <a:rPr lang="en-CA" smtClean="0"/>
-              <a:t>2023-02-07</a:t>
+              <a:t>2023-02-08</a:t>
             </a:fld>
             <a:endParaRPr lang="en-CA"/>
           </a:p>
@@ -9768,7 +9768,7 @@
           <a:p>
             <a:fld id="{BEA4FACC-574A-41DD-ACBD-E66D657D283B}" type="datetimeFigureOut">
               <a:rPr lang="en-CA" smtClean="0"/>
-              <a:t>2023-02-07</a:t>
+              <a:t>2023-02-08</a:t>
             </a:fld>
             <a:endParaRPr lang="en-CA"/>
           </a:p>
@@ -10081,7 +10081,7 @@
           <a:p>
             <a:fld id="{BEA4FACC-574A-41DD-ACBD-E66D657D283B}" type="datetimeFigureOut">
               <a:rPr lang="en-CA" smtClean="0"/>
-              <a:t>2023-02-07</a:t>
+              <a:t>2023-02-08</a:t>
             </a:fld>
             <a:endParaRPr lang="en-CA"/>
           </a:p>
@@ -10370,7 +10370,7 @@
           <a:p>
             <a:fld id="{BEA4FACC-574A-41DD-ACBD-E66D657D283B}" type="datetimeFigureOut">
               <a:rPr lang="en-CA" smtClean="0"/>
-              <a:t>2023-02-07</a:t>
+              <a:t>2023-02-08</a:t>
             </a:fld>
             <a:endParaRPr lang="en-CA"/>
           </a:p>
@@ -10613,7 +10613,7 @@
           <a:p>
             <a:fld id="{BEA4FACC-574A-41DD-ACBD-E66D657D283B}" type="datetimeFigureOut">
               <a:rPr lang="en-CA" smtClean="0"/>
-              <a:t>2023-02-07</a:t>
+              <a:t>2023-02-08</a:t>
             </a:fld>
             <a:endParaRPr lang="en-CA"/>
           </a:p>
@@ -14344,6 +14344,44 @@
           </a:effectLst>
         </p:spPr>
       </p:pic>
+      <p:pic>
+        <p:nvPicPr>
+          <p:cNvPr id="6" name="Picture 5">
+            <a:extLst>
+              <a:ext uri="{FF2B5EF4-FFF2-40B4-BE49-F238E27FC236}">
+                <a16:creationId xmlns:a16="http://schemas.microsoft.com/office/drawing/2014/main" id="{41AD55ED-F420-7A34-C34C-72670792029F}"/>
+              </a:ext>
+            </a:extLst>
+          </p:cNvPr>
+          <p:cNvPicPr>
+            <a:picLocks noChangeAspect="1"/>
+          </p:cNvPicPr>
+          <p:nvPr/>
+        </p:nvPicPr>
+        <p:blipFill>
+          <a:blip r:embed="rId3"/>
+          <a:stretch>
+            <a:fillRect/>
+          </a:stretch>
+        </p:blipFill>
+        <p:spPr>
+          <a:xfrm>
+            <a:off x="4822988" y="3629739"/>
+            <a:ext cx="6942692" cy="2693240"/>
+          </a:xfrm>
+          <a:prstGeom prst="rect">
+            <a:avLst/>
+          </a:prstGeom>
+          <a:effectLst>
+            <a:glow rad="228600">
+              <a:schemeClr val="accent1">
+                <a:satMod val="175000"/>
+                <a:alpha val="40000"/>
+              </a:schemeClr>
+            </a:glow>
+          </a:effectLst>
+        </p:spPr>
+      </p:pic>
     </p:spTree>
     <p:extLst>
       <p:ext uri="{BB962C8B-B14F-4D97-AF65-F5344CB8AC3E}">
@@ -21338,13 +21376,13 @@
   <p:clrMapOvr>
     <a:masterClrMapping/>
   </p:clrMapOvr>
-  <mc:AlternateContent xmlns:mc="http://schemas.openxmlformats.org/markup-compatibility/2006">
-    <mc:Choice xmlns:p14="http://schemas.microsoft.com/office/powerpoint/2010/main" Requires="p14">
+  <mc:AlternateContent xmlns:mc="http://schemas.openxmlformats.org/markup-compatibility/2006" xmlns:p14="http://schemas.microsoft.com/office/powerpoint/2010/main">
+    <mc:Choice Requires="p14">
       <p:transition spd="med" p14:dur="700">
         <p:fade/>
       </p:transition>
     </mc:Choice>
-    <mc:Fallback>
+    <mc:Fallback xmlns="">
       <p:transition spd="med">
         <p:fade/>
       </p:transition>

--- a/doc/BAMOE Integration - Bot Orchestration with IBM RPA and PAM.pptx
+++ b/doc/BAMOE Integration - Bot Orchestration with IBM RPA and PAM.pptx
@@ -16,14 +16,14 @@
     <p:sldId id="2146847135" r:id="rId7"/>
     <p:sldId id="257" r:id="rId8"/>
     <p:sldId id="265" r:id="rId9"/>
-    <p:sldId id="259" r:id="rId10"/>
-    <p:sldId id="258" r:id="rId11"/>
-    <p:sldId id="260" r:id="rId12"/>
-    <p:sldId id="2147377103" r:id="rId13"/>
-    <p:sldId id="261" r:id="rId14"/>
-    <p:sldId id="262" r:id="rId15"/>
-    <p:sldId id="266" r:id="rId16"/>
-    <p:sldId id="2147377101" r:id="rId17"/>
+    <p:sldId id="2147377101" r:id="rId10"/>
+    <p:sldId id="259" r:id="rId11"/>
+    <p:sldId id="258" r:id="rId12"/>
+    <p:sldId id="260" r:id="rId13"/>
+    <p:sldId id="2147377103" r:id="rId14"/>
+    <p:sldId id="261" r:id="rId15"/>
+    <p:sldId id="262" r:id="rId16"/>
+    <p:sldId id="266" r:id="rId17"/>
   </p:sldIdLst>
   <p:sldSz cx="12192000" cy="6858000"/>
   <p:notesSz cx="6858000" cy="9144000"/>
@@ -212,7 +212,7 @@
           <a:p>
             <a:fld id="{E692155B-7F18-498C-9BFA-FBEF28EA456D}" type="datetimeFigureOut">
               <a:rPr lang="en-CA" smtClean="0"/>
-              <a:t>2023-02-08</a:t>
+              <a:t>2023-04-18</a:t>
             </a:fld>
             <a:endParaRPr lang="en-CA"/>
           </a:p>
@@ -1415,7 +1415,7 @@
           <a:p>
             <a:fld id="{BEA4FACC-574A-41DD-ACBD-E66D657D283B}" type="datetimeFigureOut">
               <a:rPr lang="en-CA" smtClean="0"/>
-              <a:t>2023-02-08</a:t>
+              <a:t>2023-04-18</a:t>
             </a:fld>
             <a:endParaRPr lang="en-CA"/>
           </a:p>
@@ -1615,7 +1615,7 @@
           <a:p>
             <a:fld id="{BEA4FACC-574A-41DD-ACBD-E66D657D283B}" type="datetimeFigureOut">
               <a:rPr lang="en-CA" smtClean="0"/>
-              <a:t>2023-02-08</a:t>
+              <a:t>2023-04-18</a:t>
             </a:fld>
             <a:endParaRPr lang="en-CA"/>
           </a:p>
@@ -1825,7 +1825,7 @@
           <a:p>
             <a:fld id="{BEA4FACC-574A-41DD-ACBD-E66D657D283B}" type="datetimeFigureOut">
               <a:rPr lang="en-CA" smtClean="0"/>
-              <a:t>2023-02-08</a:t>
+              <a:t>2023-04-18</a:t>
             </a:fld>
             <a:endParaRPr lang="en-CA"/>
           </a:p>
@@ -3201,7 +3201,7 @@
           <a:p>
             <a:fld id="{BEA4FACC-574A-41DD-ACBD-E66D657D283B}" type="datetimeFigureOut">
               <a:rPr lang="en-CA" smtClean="0"/>
-              <a:t>2023-02-08</a:t>
+              <a:t>2023-04-18</a:t>
             </a:fld>
             <a:endParaRPr lang="en-CA"/>
           </a:p>
@@ -4911,7 +4911,7 @@
           <a:p>
             <a:fld id="{BEA4FACC-574A-41DD-ACBD-E66D657D283B}" type="datetimeFigureOut">
               <a:rPr lang="en-CA" smtClean="0"/>
-              <a:t>2023-02-08</a:t>
+              <a:t>2023-04-18</a:t>
             </a:fld>
             <a:endParaRPr lang="en-CA"/>
           </a:p>
@@ -6997,7 +6997,7 @@
           <a:p>
             <a:fld id="{BEA4FACC-574A-41DD-ACBD-E66D657D283B}" type="datetimeFigureOut">
               <a:rPr lang="en-CA" smtClean="0"/>
-              <a:t>2023-02-08</a:t>
+              <a:t>2023-04-18</a:t>
             </a:fld>
             <a:endParaRPr lang="en-CA"/>
           </a:p>
@@ -9098,7 +9098,7 @@
           <a:p>
             <a:fld id="{BEA4FACC-574A-41DD-ACBD-E66D657D283B}" type="datetimeFigureOut">
               <a:rPr lang="en-CA" smtClean="0"/>
-              <a:t>2023-02-08</a:t>
+              <a:t>2023-04-18</a:t>
             </a:fld>
             <a:endParaRPr lang="en-CA"/>
           </a:p>
@@ -9513,7 +9513,7 @@
           <a:p>
             <a:fld id="{BEA4FACC-574A-41DD-ACBD-E66D657D283B}" type="datetimeFigureOut">
               <a:rPr lang="en-CA" smtClean="0"/>
-              <a:t>2023-02-08</a:t>
+              <a:t>2023-04-18</a:t>
             </a:fld>
             <a:endParaRPr lang="en-CA"/>
           </a:p>
@@ -9655,7 +9655,7 @@
           <a:p>
             <a:fld id="{BEA4FACC-574A-41DD-ACBD-E66D657D283B}" type="datetimeFigureOut">
               <a:rPr lang="en-CA" smtClean="0"/>
-              <a:t>2023-02-08</a:t>
+              <a:t>2023-04-18</a:t>
             </a:fld>
             <a:endParaRPr lang="en-CA"/>
           </a:p>
@@ -9768,7 +9768,7 @@
           <a:p>
             <a:fld id="{BEA4FACC-574A-41DD-ACBD-E66D657D283B}" type="datetimeFigureOut">
               <a:rPr lang="en-CA" smtClean="0"/>
-              <a:t>2023-02-08</a:t>
+              <a:t>2023-04-18</a:t>
             </a:fld>
             <a:endParaRPr lang="en-CA"/>
           </a:p>
@@ -10081,7 +10081,7 @@
           <a:p>
             <a:fld id="{BEA4FACC-574A-41DD-ACBD-E66D657D283B}" type="datetimeFigureOut">
               <a:rPr lang="en-CA" smtClean="0"/>
-              <a:t>2023-02-08</a:t>
+              <a:t>2023-04-18</a:t>
             </a:fld>
             <a:endParaRPr lang="en-CA"/>
           </a:p>
@@ -10370,7 +10370,7 @@
           <a:p>
             <a:fld id="{BEA4FACC-574A-41DD-ACBD-E66D657D283B}" type="datetimeFigureOut">
               <a:rPr lang="en-CA" smtClean="0"/>
-              <a:t>2023-02-08</a:t>
+              <a:t>2023-04-18</a:t>
             </a:fld>
             <a:endParaRPr lang="en-CA"/>
           </a:p>
@@ -10613,7 +10613,7 @@
           <a:p>
             <a:fld id="{BEA4FACC-574A-41DD-ACBD-E66D657D283B}" type="datetimeFigureOut">
               <a:rPr lang="en-CA" smtClean="0"/>
-              <a:t>2023-02-08</a:t>
+              <a:t>2023-04-18</a:t>
             </a:fld>
             <a:endParaRPr lang="en-CA"/>
           </a:p>
@@ -13826,6 +13826,326 @@
 <file path=ppt/slides/slide10.xml><?xml version="1.0" encoding="utf-8"?>
 <p:sld xmlns:a="http://schemas.openxmlformats.org/drawingml/2006/main" xmlns:r="http://schemas.openxmlformats.org/officeDocument/2006/relationships" xmlns:p="http://schemas.openxmlformats.org/presentationml/2006/main">
   <p:cSld>
+    <p:spTree>
+      <p:nvGrpSpPr>
+        <p:cNvPr id="1" name=""/>
+        <p:cNvGrpSpPr/>
+        <p:nvPr/>
+      </p:nvGrpSpPr>
+      <p:grpSpPr>
+        <a:xfrm>
+          <a:off x="0" y="0"/>
+          <a:ext cx="0" cy="0"/>
+          <a:chOff x="0" y="0"/>
+          <a:chExt cx="0" cy="0"/>
+        </a:xfrm>
+      </p:grpSpPr>
+      <p:sp>
+        <p:nvSpPr>
+          <p:cNvPr id="2" name="Title 1">
+            <a:extLst>
+              <a:ext uri="{FF2B5EF4-FFF2-40B4-BE49-F238E27FC236}">
+                <a16:creationId xmlns:a16="http://schemas.microsoft.com/office/drawing/2014/main" id="{AD21B2CB-2EBE-4A30-BD57-6D35C84CE2CD}"/>
+              </a:ext>
+            </a:extLst>
+          </p:cNvPr>
+          <p:cNvSpPr>
+            <a:spLocks noGrp="1"/>
+          </p:cNvSpPr>
+          <p:nvPr>
+            <p:ph type="title"/>
+          </p:nvPr>
+        </p:nvSpPr>
+        <p:spPr>
+          <a:xfrm>
+            <a:off x="312907" y="-73076"/>
+            <a:ext cx="10515600" cy="1325563"/>
+          </a:xfrm>
+        </p:spPr>
+        <p:txBody>
+          <a:bodyPr>
+            <a:normAutofit/>
+          </a:bodyPr>
+          <a:lstStyle/>
+          <a:p>
+            <a:r>
+              <a:rPr lang="en-GB" sz="2800" dirty="0"/>
+              <a:t>Build the Bot cont.</a:t>
+            </a:r>
+          </a:p>
+        </p:txBody>
+      </p:sp>
+      <p:pic>
+        <p:nvPicPr>
+          <p:cNvPr id="5" name="Content Placeholder 4">
+            <a:extLst>
+              <a:ext uri="{FF2B5EF4-FFF2-40B4-BE49-F238E27FC236}">
+                <a16:creationId xmlns:a16="http://schemas.microsoft.com/office/drawing/2014/main" id="{0D72E4DA-4DC4-4CBE-BB00-CF7209E6A386}"/>
+              </a:ext>
+            </a:extLst>
+          </p:cNvPr>
+          <p:cNvPicPr>
+            <a:picLocks noGrp="1" noChangeAspect="1"/>
+          </p:cNvPicPr>
+          <p:nvPr>
+            <p:ph idx="1"/>
+          </p:nvPr>
+        </p:nvPicPr>
+        <p:blipFill>
+          <a:blip r:embed="rId2"/>
+          <a:stretch>
+            <a:fillRect/>
+          </a:stretch>
+        </p:blipFill>
+        <p:spPr>
+          <a:xfrm>
+            <a:off x="5327190" y="201370"/>
+            <a:ext cx="5979918" cy="4214375"/>
+          </a:xfrm>
+          <a:effectLst>
+            <a:glow rad="228600">
+              <a:srgbClr val="0070C0">
+                <a:alpha val="40000"/>
+              </a:srgbClr>
+            </a:glow>
+          </a:effectLst>
+        </p:spPr>
+      </p:pic>
+      <p:pic>
+        <p:nvPicPr>
+          <p:cNvPr id="7" name="Picture 6">
+            <a:extLst>
+              <a:ext uri="{FF2B5EF4-FFF2-40B4-BE49-F238E27FC236}">
+                <a16:creationId xmlns:a16="http://schemas.microsoft.com/office/drawing/2014/main" id="{7A213E73-9396-426D-AF0A-D16FD5EBA6E2}"/>
+              </a:ext>
+            </a:extLst>
+          </p:cNvPr>
+          <p:cNvPicPr>
+            <a:picLocks noChangeAspect="1"/>
+          </p:cNvPicPr>
+          <p:nvPr/>
+        </p:nvPicPr>
+        <p:blipFill>
+          <a:blip r:embed="rId3"/>
+          <a:stretch>
+            <a:fillRect/>
+          </a:stretch>
+        </p:blipFill>
+        <p:spPr>
+          <a:xfrm>
+            <a:off x="5902555" y="2998221"/>
+            <a:ext cx="5811168" cy="3728075"/>
+          </a:xfrm>
+          <a:prstGeom prst="rect">
+            <a:avLst/>
+          </a:prstGeom>
+          <a:effectLst>
+            <a:glow rad="228600">
+              <a:schemeClr val="accent2">
+                <a:satMod val="175000"/>
+                <a:alpha val="40000"/>
+              </a:schemeClr>
+            </a:glow>
+          </a:effectLst>
+        </p:spPr>
+      </p:pic>
+      <p:sp>
+        <p:nvSpPr>
+          <p:cNvPr id="10" name="Rectangle 9">
+            <a:extLst>
+              <a:ext uri="{FF2B5EF4-FFF2-40B4-BE49-F238E27FC236}">
+                <a16:creationId xmlns:a16="http://schemas.microsoft.com/office/drawing/2014/main" id="{FF37201D-4845-4082-B3C6-4DA8CA4EF266}"/>
+              </a:ext>
+            </a:extLst>
+          </p:cNvPr>
+          <p:cNvSpPr/>
+          <p:nvPr/>
+        </p:nvSpPr>
+        <p:spPr>
+          <a:xfrm>
+            <a:off x="8317149" y="6153074"/>
+            <a:ext cx="1887166" cy="379379"/>
+          </a:xfrm>
+          <a:prstGeom prst="rect">
+            <a:avLst/>
+          </a:prstGeom>
+          <a:noFill/>
+          <a:ln w="25400"/>
+        </p:spPr>
+        <p:style>
+          <a:lnRef idx="2">
+            <a:schemeClr val="accent1">
+              <a:shade val="50000"/>
+            </a:schemeClr>
+          </a:lnRef>
+          <a:fillRef idx="1">
+            <a:schemeClr val="accent1"/>
+          </a:fillRef>
+          <a:effectRef idx="0">
+            <a:schemeClr val="accent1"/>
+          </a:effectRef>
+          <a:fontRef idx="minor">
+            <a:schemeClr val="lt1"/>
+          </a:fontRef>
+        </p:style>
+        <p:txBody>
+          <a:bodyPr rtlCol="0" anchor="ctr"/>
+          <a:lstStyle/>
+          <a:p>
+            <a:pPr algn="ctr"/>
+            <a:endParaRPr lang="en-GB"/>
+          </a:p>
+        </p:txBody>
+      </p:sp>
+      <p:pic>
+        <p:nvPicPr>
+          <p:cNvPr id="20" name="Picture 19">
+            <a:extLst>
+              <a:ext uri="{FF2B5EF4-FFF2-40B4-BE49-F238E27FC236}">
+                <a16:creationId xmlns:a16="http://schemas.microsoft.com/office/drawing/2014/main" id="{6B5671A0-4873-4F13-8D07-E38183D37717}"/>
+              </a:ext>
+            </a:extLst>
+          </p:cNvPr>
+          <p:cNvPicPr>
+            <a:picLocks noChangeAspect="1"/>
+          </p:cNvPicPr>
+          <p:nvPr/>
+        </p:nvPicPr>
+        <p:blipFill>
+          <a:blip r:embed="rId4"/>
+          <a:stretch>
+            <a:fillRect/>
+          </a:stretch>
+        </p:blipFill>
+        <p:spPr>
+          <a:xfrm>
+            <a:off x="116082" y="1260892"/>
+            <a:ext cx="5979918" cy="4459789"/>
+          </a:xfrm>
+          <a:prstGeom prst="rect">
+            <a:avLst/>
+          </a:prstGeom>
+          <a:effectLst>
+            <a:glow rad="228600">
+              <a:schemeClr val="accent6">
+                <a:satMod val="175000"/>
+                <a:alpha val="40000"/>
+              </a:schemeClr>
+            </a:glow>
+          </a:effectLst>
+        </p:spPr>
+      </p:pic>
+      <p:cxnSp>
+        <p:nvCxnSpPr>
+          <p:cNvPr id="9" name="Straight Arrow Connector 8">
+            <a:extLst>
+              <a:ext uri="{FF2B5EF4-FFF2-40B4-BE49-F238E27FC236}">
+                <a16:creationId xmlns:a16="http://schemas.microsoft.com/office/drawing/2014/main" id="{C24DC4C1-5474-49D4-B39F-C90C1513C29C}"/>
+              </a:ext>
+            </a:extLst>
+          </p:cNvPr>
+          <p:cNvCxnSpPr>
+            <a:cxnSpLocks/>
+          </p:cNvCxnSpPr>
+          <p:nvPr/>
+        </p:nvCxnSpPr>
+        <p:spPr>
+          <a:xfrm flipV="1">
+            <a:off x="3106041" y="531636"/>
+            <a:ext cx="3187755" cy="2515223"/>
+          </a:xfrm>
+          <a:prstGeom prst="straightConnector1">
+            <a:avLst/>
+          </a:prstGeom>
+          <a:ln w="25400">
+            <a:tailEnd type="triangle"/>
+          </a:ln>
+          <a:effectLst>
+            <a:glow rad="127000">
+              <a:schemeClr val="accent6">
+                <a:lumMod val="60000"/>
+                <a:lumOff val="40000"/>
+              </a:schemeClr>
+            </a:glow>
+          </a:effectLst>
+        </p:spPr>
+        <p:style>
+          <a:lnRef idx="1">
+            <a:schemeClr val="accent1"/>
+          </a:lnRef>
+          <a:fillRef idx="0">
+            <a:schemeClr val="accent1"/>
+          </a:fillRef>
+          <a:effectRef idx="0">
+            <a:schemeClr val="accent1"/>
+          </a:effectRef>
+          <a:fontRef idx="minor">
+            <a:schemeClr val="tx1"/>
+          </a:fontRef>
+        </p:style>
+      </p:cxnSp>
+      <p:cxnSp>
+        <p:nvCxnSpPr>
+          <p:cNvPr id="18" name="Straight Arrow Connector 17">
+            <a:extLst>
+              <a:ext uri="{FF2B5EF4-FFF2-40B4-BE49-F238E27FC236}">
+                <a16:creationId xmlns:a16="http://schemas.microsoft.com/office/drawing/2014/main" id="{E5789473-6D1C-49F9-81DA-753CEF9AB6F6}"/>
+              </a:ext>
+            </a:extLst>
+          </p:cNvPr>
+          <p:cNvCxnSpPr>
+            <a:cxnSpLocks/>
+          </p:cNvCxnSpPr>
+          <p:nvPr/>
+        </p:nvCxnSpPr>
+        <p:spPr>
+          <a:xfrm>
+            <a:off x="3325907" y="4228526"/>
+            <a:ext cx="4991242" cy="2006904"/>
+          </a:xfrm>
+          <a:prstGeom prst="straightConnector1">
+            <a:avLst/>
+          </a:prstGeom>
+          <a:ln w="25400">
+            <a:tailEnd type="triangle"/>
+          </a:ln>
+          <a:effectLst>
+            <a:glow rad="127000">
+              <a:srgbClr val="92D050"/>
+            </a:glow>
+          </a:effectLst>
+        </p:spPr>
+        <p:style>
+          <a:lnRef idx="1">
+            <a:schemeClr val="accent1"/>
+          </a:lnRef>
+          <a:fillRef idx="0">
+            <a:schemeClr val="accent1"/>
+          </a:fillRef>
+          <a:effectRef idx="0">
+            <a:schemeClr val="accent1"/>
+          </a:effectRef>
+          <a:fontRef idx="minor">
+            <a:schemeClr val="tx1"/>
+          </a:fontRef>
+        </p:style>
+      </p:cxnSp>
+    </p:spTree>
+    <p:extLst>
+      <p:ext uri="{BB962C8B-B14F-4D97-AF65-F5344CB8AC3E}">
+        <p14:creationId xmlns:p14="http://schemas.microsoft.com/office/powerpoint/2010/main" val="1421620631"/>
+      </p:ext>
+    </p:extLst>
+  </p:cSld>
+  <p:clrMapOvr>
+    <a:masterClrMapping/>
+  </p:clrMapOvr>
+</p:sld>
+</file>
+
+<file path=ppt/slides/slide11.xml><?xml version="1.0" encoding="utf-8"?>
+<p:sld xmlns:a="http://schemas.openxmlformats.org/drawingml/2006/main" xmlns:r="http://schemas.openxmlformats.org/officeDocument/2006/relationships" xmlns:p="http://schemas.openxmlformats.org/presentationml/2006/main">
+  <p:cSld>
     <p:bg>
       <p:bgPr>
         <a:solidFill>
@@ -14395,7 +14715,7 @@
 </p:sld>
 </file>
 
-<file path=ppt/slides/slide11.xml><?xml version="1.0" encoding="utf-8"?>
+<file path=ppt/slides/slide12.xml><?xml version="1.0" encoding="utf-8"?>
 <p:sld xmlns:a="http://schemas.openxmlformats.org/drawingml/2006/main" xmlns:r="http://schemas.openxmlformats.org/officeDocument/2006/relationships" xmlns:p="http://schemas.openxmlformats.org/presentationml/2006/main">
   <p:cSld>
     <p:spTree>
@@ -14582,7 +14902,7 @@
 </p:sld>
 </file>
 
-<file path=ppt/slides/slide12.xml><?xml version="1.0" encoding="utf-8"?>
+<file path=ppt/slides/slide13.xml><?xml version="1.0" encoding="utf-8"?>
 <p:sld xmlns:a="http://schemas.openxmlformats.org/drawingml/2006/main" xmlns:r="http://schemas.openxmlformats.org/officeDocument/2006/relationships" xmlns:p="http://schemas.openxmlformats.org/presentationml/2006/main">
   <p:cSld>
     <p:bg>
@@ -15292,7 +15612,7 @@
 </p:sld>
 </file>
 
-<file path=ppt/slides/slide13.xml><?xml version="1.0" encoding="utf-8"?>
+<file path=ppt/slides/slide14.xml><?xml version="1.0" encoding="utf-8"?>
 <p:sld xmlns:a="http://schemas.openxmlformats.org/drawingml/2006/main" xmlns:r="http://schemas.openxmlformats.org/officeDocument/2006/relationships" xmlns:p="http://schemas.openxmlformats.org/presentationml/2006/main">
   <p:cSld>
     <p:bg>
@@ -15777,7 +16097,7 @@
 </p:sld>
 </file>
 
-<file path=ppt/slides/slide14.xml><?xml version="1.0" encoding="utf-8"?>
+<file path=ppt/slides/slide15.xml><?xml version="1.0" encoding="utf-8"?>
 <p:sld xmlns:a="http://schemas.openxmlformats.org/drawingml/2006/main" xmlns:r="http://schemas.openxmlformats.org/officeDocument/2006/relationships" xmlns:p="http://schemas.openxmlformats.org/presentationml/2006/main">
   <p:cSld>
     <p:spTree>
@@ -15874,341 +16194,6 @@
   <p:clrMapOvr>
     <a:masterClrMapping/>
   </p:clrMapOvr>
-</p:sld>
-</file>
-
-<file path=ppt/slides/slide15.xml><?xml version="1.0" encoding="utf-8"?>
-<p:sld xmlns:a="http://schemas.openxmlformats.org/drawingml/2006/main" xmlns:r="http://schemas.openxmlformats.org/officeDocument/2006/relationships" xmlns:p="http://schemas.openxmlformats.org/presentationml/2006/main">
-  <p:cSld>
-    <p:bg>
-      <p:bgPr>
-        <a:solidFill>
-          <a:schemeClr val="bg1">
-            <a:tint val="95000"/>
-            <a:satMod val="170000"/>
-          </a:schemeClr>
-        </a:solidFill>
-        <a:effectLst/>
-      </p:bgPr>
-    </p:bg>
-    <p:spTree>
-      <p:nvGrpSpPr>
-        <p:cNvPr id="1" name=""/>
-        <p:cNvGrpSpPr/>
-        <p:nvPr/>
-      </p:nvGrpSpPr>
-      <p:grpSpPr>
-        <a:xfrm>
-          <a:off x="0" y="0"/>
-          <a:ext cx="0" cy="0"/>
-          <a:chOff x="0" y="0"/>
-          <a:chExt cx="0" cy="0"/>
-        </a:xfrm>
-      </p:grpSpPr>
-      <p:sp>
-        <p:nvSpPr>
-          <p:cNvPr id="2" name="Title 1">
-            <a:extLst>
-              <a:ext uri="{FF2B5EF4-FFF2-40B4-BE49-F238E27FC236}">
-                <a16:creationId xmlns:a16="http://schemas.microsoft.com/office/drawing/2014/main" id="{881BD5CC-538D-4B5E-A453-BA8F1C37B66F}"/>
-              </a:ext>
-            </a:extLst>
-          </p:cNvPr>
-          <p:cNvSpPr>
-            <a:spLocks noGrp="1"/>
-          </p:cNvSpPr>
-          <p:nvPr>
-            <p:ph type="title"/>
-          </p:nvPr>
-        </p:nvSpPr>
-        <p:spPr>
-          <a:xfrm>
-            <a:off x="7464614" y="1783959"/>
-            <a:ext cx="4087306" cy="2889114"/>
-          </a:xfrm>
-        </p:spPr>
-        <p:txBody>
-          <a:bodyPr vert="horz" lIns="91440" tIns="45720" rIns="91440" bIns="45720" rtlCol="0" anchor="b">
-            <a:normAutofit/>
-          </a:bodyPr>
-          <a:lstStyle/>
-          <a:p>
-            <a:r>
-              <a:rPr lang="en-US" sz="5400" dirty="0"/>
-              <a:t>Demo</a:t>
-            </a:r>
-          </a:p>
-        </p:txBody>
-      </p:sp>
-      <p:sp>
-        <p:nvSpPr>
-          <p:cNvPr id="16" name="Freeform: Shape 9">
-            <a:extLst>
-              <a:ext uri="{FF2B5EF4-FFF2-40B4-BE49-F238E27FC236}">
-                <a16:creationId xmlns:a16="http://schemas.microsoft.com/office/drawing/2014/main" id="{E49CC64F-7275-4E33-961B-0C5CDC439875}"/>
-              </a:ext>
-              <a:ext uri="{C183D7F6-B498-43B3-948B-1728B52AA6E4}">
-                <adec:decorative xmlns:adec="http://schemas.microsoft.com/office/drawing/2017/decorative" val="1"/>
-              </a:ext>
-            </a:extLst>
-          </p:cNvPr>
-          <p:cNvSpPr>
-            <a:spLocks noGrp="1" noRot="1" noChangeAspect="1" noMove="1" noResize="1" noEditPoints="1" noAdjustHandles="1" noChangeArrowheads="1" noChangeShapeType="1" noTextEdit="1"/>
-          </p:cNvSpPr>
-          <p:nvPr>
-            <p:extLst>
-              <p:ext uri="{386F3935-93C4-4BCD-93E2-E3B085C9AB24}">
-                <p16:designElem xmlns:p16="http://schemas.microsoft.com/office/powerpoint/2015/main" val="1"/>
-              </p:ext>
-            </p:extLst>
-          </p:nvPr>
-        </p:nvSpPr>
-        <p:spPr>
-          <a:xfrm flipH="1" flipV="1">
-            <a:off x="1" y="0"/>
-            <a:ext cx="7188051" cy="6858000"/>
-          </a:xfrm>
-          <a:custGeom>
-            <a:avLst/>
-            <a:gdLst>
-              <a:gd name="connsiteX0" fmla="*/ 7188051 w 7188051"/>
-              <a:gd name="connsiteY0" fmla="*/ 6858000 h 6858000"/>
-              <a:gd name="connsiteX1" fmla="*/ 108694 w 7188051"/>
-              <a:gd name="connsiteY1" fmla="*/ 6858000 h 6858000"/>
-              <a:gd name="connsiteX2" fmla="*/ 79127 w 7188051"/>
-              <a:gd name="connsiteY2" fmla="*/ 6681235 h 6858000"/>
-              <a:gd name="connsiteX3" fmla="*/ 0 w 7188051"/>
-              <a:gd name="connsiteY3" fmla="*/ 5565888 h 6858000"/>
-              <a:gd name="connsiteX4" fmla="*/ 2190696 w 7188051"/>
-              <a:gd name="connsiteY4" fmla="*/ 145339 h 6858000"/>
-              <a:gd name="connsiteX5" fmla="*/ 2339431 w 7188051"/>
-              <a:gd name="connsiteY5" fmla="*/ 0 h 6858000"/>
-              <a:gd name="connsiteX6" fmla="*/ 7188051 w 7188051"/>
-              <a:gd name="connsiteY6" fmla="*/ 0 h 6858000"/>
-            </a:gdLst>
-            <a:ahLst/>
-            <a:cxnLst>
-              <a:cxn ang="0">
-                <a:pos x="connsiteX0" y="connsiteY0"/>
-              </a:cxn>
-              <a:cxn ang="0">
-                <a:pos x="connsiteX1" y="connsiteY1"/>
-              </a:cxn>
-              <a:cxn ang="0">
-                <a:pos x="connsiteX2" y="connsiteY2"/>
-              </a:cxn>
-              <a:cxn ang="0">
-                <a:pos x="connsiteX3" y="connsiteY3"/>
-              </a:cxn>
-              <a:cxn ang="0">
-                <a:pos x="connsiteX4" y="connsiteY4"/>
-              </a:cxn>
-              <a:cxn ang="0">
-                <a:pos x="connsiteX5" y="connsiteY5"/>
-              </a:cxn>
-              <a:cxn ang="0">
-                <a:pos x="connsiteX6" y="connsiteY6"/>
-              </a:cxn>
-            </a:cxnLst>
-            <a:rect l="l" t="t" r="r" b="b"/>
-            <a:pathLst>
-              <a:path w="7188051" h="6858000">
-                <a:moveTo>
-                  <a:pt x="7188051" y="6858000"/>
-                </a:moveTo>
-                <a:lnTo>
-                  <a:pt x="108694" y="6858000"/>
-                </a:lnTo>
-                <a:lnTo>
-                  <a:pt x="79127" y="6681235"/>
-                </a:lnTo>
-                <a:cubicBezTo>
-                  <a:pt x="26981" y="6316967"/>
-                  <a:pt x="0" y="5944579"/>
-                  <a:pt x="0" y="5565888"/>
-                </a:cubicBezTo>
-                <a:cubicBezTo>
-                  <a:pt x="0" y="3459953"/>
-                  <a:pt x="834428" y="1548908"/>
-                  <a:pt x="2190696" y="145339"/>
-                </a:cubicBezTo>
-                <a:lnTo>
-                  <a:pt x="2339431" y="0"/>
-                </a:lnTo>
-                <a:lnTo>
-                  <a:pt x="7188051" y="0"/>
-                </a:lnTo>
-                <a:close/>
-              </a:path>
-            </a:pathLst>
-          </a:custGeom>
-          <a:solidFill>
-            <a:schemeClr val="tx1">
-              <a:alpha val="80000"/>
-            </a:schemeClr>
-          </a:solidFill>
-          <a:ln>
-            <a:noFill/>
-          </a:ln>
-        </p:spPr>
-        <p:style>
-          <a:lnRef idx="2">
-            <a:schemeClr val="accent1">
-              <a:shade val="50000"/>
-            </a:schemeClr>
-          </a:lnRef>
-          <a:fillRef idx="1">
-            <a:schemeClr val="accent1"/>
-          </a:fillRef>
-          <a:effectRef idx="0">
-            <a:schemeClr val="accent1"/>
-          </a:effectRef>
-          <a:fontRef idx="minor">
-            <a:schemeClr val="lt1"/>
-          </a:fontRef>
-        </p:style>
-        <p:txBody>
-          <a:bodyPr wrap="square" rtlCol="0" anchor="ctr">
-            <a:noAutofit/>
-          </a:bodyPr>
-          <a:lstStyle/>
-          <a:p>
-            <a:pPr marL="0" marR="0" lvl="0" indent="0" algn="ctr" defTabSz="914400" rtl="0" eaLnBrk="1" fontAlgn="auto" latinLnBrk="0" hangingPunct="1">
-              <a:lnSpc>
-                <a:spcPct val="100000"/>
-              </a:lnSpc>
-              <a:spcBef>
-                <a:spcPts val="0"/>
-              </a:spcBef>
-              <a:spcAft>
-                <a:spcPts val="0"/>
-              </a:spcAft>
-              <a:buClrTx/>
-              <a:buSzTx/>
-              <a:buFontTx/>
-              <a:buNone/>
-              <a:tabLst/>
-              <a:defRPr/>
-            </a:pPr>
-            <a:endParaRPr kumimoji="0" lang="en-US" sz="1800" b="0" i="0" u="none" strike="noStrike" kern="1200" cap="none" spc="0" normalizeH="0" baseline="0" noProof="0">
-              <a:ln>
-                <a:noFill/>
-              </a:ln>
-              <a:solidFill>
-                <a:prstClr val="white"/>
-              </a:solidFill>
-              <a:effectLst/>
-              <a:uLnTx/>
-              <a:uFillTx/>
-              <a:latin typeface="Calibri" panose="020F0502020204030204"/>
-              <a:ea typeface="+mn-ea"/>
-              <a:cs typeface="+mn-cs"/>
-            </a:endParaRPr>
-          </a:p>
-        </p:txBody>
-      </p:sp>
-    </p:spTree>
-    <p:extLst>
-      <p:ext uri="{BB962C8B-B14F-4D97-AF65-F5344CB8AC3E}">
-        <p14:creationId xmlns:p14="http://schemas.microsoft.com/office/powerpoint/2010/main" val="3850383753"/>
-      </p:ext>
-    </p:extLst>
-  </p:cSld>
-  <p:clrMapOvr>
-    <a:overrideClrMapping bg1="dk1" tx1="lt1" bg2="dk2" tx2="lt2" accent1="accent1" accent2="accent2" accent3="accent3" accent4="accent4" accent5="accent5" accent6="accent6" hlink="hlink" folHlink="folHlink"/>
-  </p:clrMapOvr>
-  <p:timing>
-    <p:tnLst>
-      <p:par>
-        <p:cTn id="1" dur="indefinite" restart="never" nodeType="tmRoot">
-          <p:childTnLst>
-            <p:seq concurrent="1" nextAc="seek">
-              <p:cTn id="2" dur="indefinite" nodeType="mainSeq">
-                <p:childTnLst>
-                  <p:par>
-                    <p:cTn id="3" fill="hold">
-                      <p:stCondLst>
-                        <p:cond delay="indefinite"/>
-                        <p:cond evt="onBegin" delay="0">
-                          <p:tn val="2"/>
-                        </p:cond>
-                      </p:stCondLst>
-                      <p:childTnLst>
-                        <p:par>
-                          <p:cTn id="4" fill="hold">
-                            <p:stCondLst>
-                              <p:cond delay="0"/>
-                            </p:stCondLst>
-                            <p:childTnLst>
-                              <p:par>
-                                <p:cTn id="5" presetID="10" presetClass="entr" presetSubtype="0" fill="hold" grpId="0" nodeType="withEffect">
-                                  <p:stCondLst>
-                                    <p:cond delay="1000"/>
-                                  </p:stCondLst>
-                                  <p:iterate type="lt">
-                                    <p:tmPct val="10000"/>
-                                  </p:iterate>
-                                  <p:childTnLst>
-                                    <p:set>
-                                      <p:cBhvr>
-                                        <p:cTn id="6" dur="1" fill="hold">
-                                          <p:stCondLst>
-                                            <p:cond delay="0"/>
-                                          </p:stCondLst>
-                                        </p:cTn>
-                                        <p:tgtEl>
-                                          <p:spTgt spid="2"/>
-                                        </p:tgtEl>
-                                        <p:attrNameLst>
-                                          <p:attrName>style.visibility</p:attrName>
-                                        </p:attrNameLst>
-                                      </p:cBhvr>
-                                      <p:to>
-                                        <p:strVal val="visible"/>
-                                      </p:to>
-                                    </p:set>
-                                    <p:animEffect transition="in" filter="fade">
-                                      <p:cBhvr>
-                                        <p:cTn id="7" dur="400"/>
-                                        <p:tgtEl>
-                                          <p:spTgt spid="2"/>
-                                        </p:tgtEl>
-                                      </p:cBhvr>
-                                    </p:animEffect>
-                                  </p:childTnLst>
-                                </p:cTn>
-                              </p:par>
-                            </p:childTnLst>
-                          </p:cTn>
-                        </p:par>
-                      </p:childTnLst>
-                    </p:cTn>
-                  </p:par>
-                </p:childTnLst>
-              </p:cTn>
-              <p:prevCondLst>
-                <p:cond evt="onPrev" delay="0">
-                  <p:tgtEl>
-                    <p:sldTgt/>
-                  </p:tgtEl>
-                </p:cond>
-              </p:prevCondLst>
-              <p:nextCondLst>
-                <p:cond evt="onNext" delay="0">
-                  <p:tgtEl>
-                    <p:sldTgt/>
-                  </p:tgtEl>
-                </p:cond>
-              </p:nextCondLst>
-            </p:seq>
-          </p:childTnLst>
-        </p:cTn>
-      </p:par>
-    </p:tnLst>
-    <p:bldLst>
-      <p:bldP spid="2" grpId="0"/>
-    </p:bldLst>
-  </p:timing>
 </p:sld>
 </file>
 
@@ -17769,7 +17754,7 @@
         <p:spPr bwMode="auto">
           <a:xfrm>
             <a:off x="6095957" y="0"/>
-            <a:ext cx="3045180" cy="2283885"/>
+            <a:ext cx="2872945" cy="2091447"/>
           </a:xfrm>
           <a:prstGeom prst="rect">
             <a:avLst/>
@@ -17780,6 +17765,14 @@
           <a:ln>
             <a:noFill/>
           </a:ln>
+          <a:effectLst>
+            <a:glow rad="228600">
+              <a:schemeClr val="accent4">
+                <a:satMod val="175000"/>
+                <a:alpha val="40000"/>
+              </a:schemeClr>
+            </a:glow>
+          </a:effectLst>
         </p:spPr>
         <p:txBody>
           <a:bodyPr vert="horz" lIns="304519" tIns="792480" rIns="304519" bIns="152259" rtlCol="0">
@@ -17837,7 +17830,7 @@
                 </a:solidFill>
                 <a:latin typeface="Arial" panose="020B0604020202020204"/>
               </a:rPr>
-              <a:t>Integrate through browsers, Windows apps,  SAP, remote desktop, terminals</a:t>
+              <a:t>Integrate through browsers, remote desktops and terminals</a:t>
             </a:r>
           </a:p>
         </p:txBody>
@@ -22122,6 +22115,341 @@
 </file>
 
 <file path=ppt/slides/slide8.xml><?xml version="1.0" encoding="utf-8"?>
+<p:sld xmlns:a="http://schemas.openxmlformats.org/drawingml/2006/main" xmlns:r="http://schemas.openxmlformats.org/officeDocument/2006/relationships" xmlns:p="http://schemas.openxmlformats.org/presentationml/2006/main">
+  <p:cSld>
+    <p:bg>
+      <p:bgPr>
+        <a:solidFill>
+          <a:schemeClr val="bg1">
+            <a:tint val="95000"/>
+            <a:satMod val="170000"/>
+          </a:schemeClr>
+        </a:solidFill>
+        <a:effectLst/>
+      </p:bgPr>
+    </p:bg>
+    <p:spTree>
+      <p:nvGrpSpPr>
+        <p:cNvPr id="1" name=""/>
+        <p:cNvGrpSpPr/>
+        <p:nvPr/>
+      </p:nvGrpSpPr>
+      <p:grpSpPr>
+        <a:xfrm>
+          <a:off x="0" y="0"/>
+          <a:ext cx="0" cy="0"/>
+          <a:chOff x="0" y="0"/>
+          <a:chExt cx="0" cy="0"/>
+        </a:xfrm>
+      </p:grpSpPr>
+      <p:sp>
+        <p:nvSpPr>
+          <p:cNvPr id="2" name="Title 1">
+            <a:extLst>
+              <a:ext uri="{FF2B5EF4-FFF2-40B4-BE49-F238E27FC236}">
+                <a16:creationId xmlns:a16="http://schemas.microsoft.com/office/drawing/2014/main" id="{881BD5CC-538D-4B5E-A453-BA8F1C37B66F}"/>
+              </a:ext>
+            </a:extLst>
+          </p:cNvPr>
+          <p:cNvSpPr>
+            <a:spLocks noGrp="1"/>
+          </p:cNvSpPr>
+          <p:nvPr>
+            <p:ph type="title"/>
+          </p:nvPr>
+        </p:nvSpPr>
+        <p:spPr>
+          <a:xfrm>
+            <a:off x="7464614" y="1783959"/>
+            <a:ext cx="4087306" cy="2889114"/>
+          </a:xfrm>
+        </p:spPr>
+        <p:txBody>
+          <a:bodyPr vert="horz" lIns="91440" tIns="45720" rIns="91440" bIns="45720" rtlCol="0" anchor="b">
+            <a:normAutofit/>
+          </a:bodyPr>
+          <a:lstStyle/>
+          <a:p>
+            <a:r>
+              <a:rPr lang="en-US" sz="5400" dirty="0"/>
+              <a:t>Demo</a:t>
+            </a:r>
+          </a:p>
+        </p:txBody>
+      </p:sp>
+      <p:sp>
+        <p:nvSpPr>
+          <p:cNvPr id="16" name="Freeform: Shape 9">
+            <a:extLst>
+              <a:ext uri="{FF2B5EF4-FFF2-40B4-BE49-F238E27FC236}">
+                <a16:creationId xmlns:a16="http://schemas.microsoft.com/office/drawing/2014/main" id="{E49CC64F-7275-4E33-961B-0C5CDC439875}"/>
+              </a:ext>
+              <a:ext uri="{C183D7F6-B498-43B3-948B-1728B52AA6E4}">
+                <adec:decorative xmlns:adec="http://schemas.microsoft.com/office/drawing/2017/decorative" val="1"/>
+              </a:ext>
+            </a:extLst>
+          </p:cNvPr>
+          <p:cNvSpPr>
+            <a:spLocks noGrp="1" noRot="1" noChangeAspect="1" noMove="1" noResize="1" noEditPoints="1" noAdjustHandles="1" noChangeArrowheads="1" noChangeShapeType="1" noTextEdit="1"/>
+          </p:cNvSpPr>
+          <p:nvPr>
+            <p:extLst>
+              <p:ext uri="{386F3935-93C4-4BCD-93E2-E3B085C9AB24}">
+                <p16:designElem xmlns:p16="http://schemas.microsoft.com/office/powerpoint/2015/main" val="1"/>
+              </p:ext>
+            </p:extLst>
+          </p:nvPr>
+        </p:nvSpPr>
+        <p:spPr>
+          <a:xfrm flipH="1" flipV="1">
+            <a:off x="1" y="0"/>
+            <a:ext cx="7188051" cy="6858000"/>
+          </a:xfrm>
+          <a:custGeom>
+            <a:avLst/>
+            <a:gdLst>
+              <a:gd name="connsiteX0" fmla="*/ 7188051 w 7188051"/>
+              <a:gd name="connsiteY0" fmla="*/ 6858000 h 6858000"/>
+              <a:gd name="connsiteX1" fmla="*/ 108694 w 7188051"/>
+              <a:gd name="connsiteY1" fmla="*/ 6858000 h 6858000"/>
+              <a:gd name="connsiteX2" fmla="*/ 79127 w 7188051"/>
+              <a:gd name="connsiteY2" fmla="*/ 6681235 h 6858000"/>
+              <a:gd name="connsiteX3" fmla="*/ 0 w 7188051"/>
+              <a:gd name="connsiteY3" fmla="*/ 5565888 h 6858000"/>
+              <a:gd name="connsiteX4" fmla="*/ 2190696 w 7188051"/>
+              <a:gd name="connsiteY4" fmla="*/ 145339 h 6858000"/>
+              <a:gd name="connsiteX5" fmla="*/ 2339431 w 7188051"/>
+              <a:gd name="connsiteY5" fmla="*/ 0 h 6858000"/>
+              <a:gd name="connsiteX6" fmla="*/ 7188051 w 7188051"/>
+              <a:gd name="connsiteY6" fmla="*/ 0 h 6858000"/>
+            </a:gdLst>
+            <a:ahLst/>
+            <a:cxnLst>
+              <a:cxn ang="0">
+                <a:pos x="connsiteX0" y="connsiteY0"/>
+              </a:cxn>
+              <a:cxn ang="0">
+                <a:pos x="connsiteX1" y="connsiteY1"/>
+              </a:cxn>
+              <a:cxn ang="0">
+                <a:pos x="connsiteX2" y="connsiteY2"/>
+              </a:cxn>
+              <a:cxn ang="0">
+                <a:pos x="connsiteX3" y="connsiteY3"/>
+              </a:cxn>
+              <a:cxn ang="0">
+                <a:pos x="connsiteX4" y="connsiteY4"/>
+              </a:cxn>
+              <a:cxn ang="0">
+                <a:pos x="connsiteX5" y="connsiteY5"/>
+              </a:cxn>
+              <a:cxn ang="0">
+                <a:pos x="connsiteX6" y="connsiteY6"/>
+              </a:cxn>
+            </a:cxnLst>
+            <a:rect l="l" t="t" r="r" b="b"/>
+            <a:pathLst>
+              <a:path w="7188051" h="6858000">
+                <a:moveTo>
+                  <a:pt x="7188051" y="6858000"/>
+                </a:moveTo>
+                <a:lnTo>
+                  <a:pt x="108694" y="6858000"/>
+                </a:lnTo>
+                <a:lnTo>
+                  <a:pt x="79127" y="6681235"/>
+                </a:lnTo>
+                <a:cubicBezTo>
+                  <a:pt x="26981" y="6316967"/>
+                  <a:pt x="0" y="5944579"/>
+                  <a:pt x="0" y="5565888"/>
+                </a:cubicBezTo>
+                <a:cubicBezTo>
+                  <a:pt x="0" y="3459953"/>
+                  <a:pt x="834428" y="1548908"/>
+                  <a:pt x="2190696" y="145339"/>
+                </a:cubicBezTo>
+                <a:lnTo>
+                  <a:pt x="2339431" y="0"/>
+                </a:lnTo>
+                <a:lnTo>
+                  <a:pt x="7188051" y="0"/>
+                </a:lnTo>
+                <a:close/>
+              </a:path>
+            </a:pathLst>
+          </a:custGeom>
+          <a:solidFill>
+            <a:schemeClr val="tx1">
+              <a:alpha val="80000"/>
+            </a:schemeClr>
+          </a:solidFill>
+          <a:ln>
+            <a:noFill/>
+          </a:ln>
+        </p:spPr>
+        <p:style>
+          <a:lnRef idx="2">
+            <a:schemeClr val="accent1">
+              <a:shade val="50000"/>
+            </a:schemeClr>
+          </a:lnRef>
+          <a:fillRef idx="1">
+            <a:schemeClr val="accent1"/>
+          </a:fillRef>
+          <a:effectRef idx="0">
+            <a:schemeClr val="accent1"/>
+          </a:effectRef>
+          <a:fontRef idx="minor">
+            <a:schemeClr val="lt1"/>
+          </a:fontRef>
+        </p:style>
+        <p:txBody>
+          <a:bodyPr wrap="square" rtlCol="0" anchor="ctr">
+            <a:noAutofit/>
+          </a:bodyPr>
+          <a:lstStyle/>
+          <a:p>
+            <a:pPr marL="0" marR="0" lvl="0" indent="0" algn="ctr" defTabSz="914400" rtl="0" eaLnBrk="1" fontAlgn="auto" latinLnBrk="0" hangingPunct="1">
+              <a:lnSpc>
+                <a:spcPct val="100000"/>
+              </a:lnSpc>
+              <a:spcBef>
+                <a:spcPts val="0"/>
+              </a:spcBef>
+              <a:spcAft>
+                <a:spcPts val="0"/>
+              </a:spcAft>
+              <a:buClrTx/>
+              <a:buSzTx/>
+              <a:buFontTx/>
+              <a:buNone/>
+              <a:tabLst/>
+              <a:defRPr/>
+            </a:pPr>
+            <a:endParaRPr kumimoji="0" lang="en-US" sz="1800" b="0" i="0" u="none" strike="noStrike" kern="1200" cap="none" spc="0" normalizeH="0" baseline="0" noProof="0">
+              <a:ln>
+                <a:noFill/>
+              </a:ln>
+              <a:solidFill>
+                <a:prstClr val="white"/>
+              </a:solidFill>
+              <a:effectLst/>
+              <a:uLnTx/>
+              <a:uFillTx/>
+              <a:latin typeface="Calibri" panose="020F0502020204030204"/>
+              <a:ea typeface="+mn-ea"/>
+              <a:cs typeface="+mn-cs"/>
+            </a:endParaRPr>
+          </a:p>
+        </p:txBody>
+      </p:sp>
+    </p:spTree>
+    <p:extLst>
+      <p:ext uri="{BB962C8B-B14F-4D97-AF65-F5344CB8AC3E}">
+        <p14:creationId xmlns:p14="http://schemas.microsoft.com/office/powerpoint/2010/main" val="3850383753"/>
+      </p:ext>
+    </p:extLst>
+  </p:cSld>
+  <p:clrMapOvr>
+    <a:overrideClrMapping bg1="dk1" tx1="lt1" bg2="dk2" tx2="lt2" accent1="accent1" accent2="accent2" accent3="accent3" accent4="accent4" accent5="accent5" accent6="accent6" hlink="hlink" folHlink="folHlink"/>
+  </p:clrMapOvr>
+  <p:timing>
+    <p:tnLst>
+      <p:par>
+        <p:cTn id="1" dur="indefinite" restart="never" nodeType="tmRoot">
+          <p:childTnLst>
+            <p:seq concurrent="1" nextAc="seek">
+              <p:cTn id="2" dur="indefinite" nodeType="mainSeq">
+                <p:childTnLst>
+                  <p:par>
+                    <p:cTn id="3" fill="hold">
+                      <p:stCondLst>
+                        <p:cond delay="indefinite"/>
+                        <p:cond evt="onBegin" delay="0">
+                          <p:tn val="2"/>
+                        </p:cond>
+                      </p:stCondLst>
+                      <p:childTnLst>
+                        <p:par>
+                          <p:cTn id="4" fill="hold">
+                            <p:stCondLst>
+                              <p:cond delay="0"/>
+                            </p:stCondLst>
+                            <p:childTnLst>
+                              <p:par>
+                                <p:cTn id="5" presetID="10" presetClass="entr" presetSubtype="0" fill="hold" grpId="0" nodeType="withEffect">
+                                  <p:stCondLst>
+                                    <p:cond delay="1000"/>
+                                  </p:stCondLst>
+                                  <p:iterate type="lt">
+                                    <p:tmPct val="10000"/>
+                                  </p:iterate>
+                                  <p:childTnLst>
+                                    <p:set>
+                                      <p:cBhvr>
+                                        <p:cTn id="6" dur="1" fill="hold">
+                                          <p:stCondLst>
+                                            <p:cond delay="0"/>
+                                          </p:stCondLst>
+                                        </p:cTn>
+                                        <p:tgtEl>
+                                          <p:spTgt spid="2"/>
+                                        </p:tgtEl>
+                                        <p:attrNameLst>
+                                          <p:attrName>style.visibility</p:attrName>
+                                        </p:attrNameLst>
+                                      </p:cBhvr>
+                                      <p:to>
+                                        <p:strVal val="visible"/>
+                                      </p:to>
+                                    </p:set>
+                                    <p:animEffect transition="in" filter="fade">
+                                      <p:cBhvr>
+                                        <p:cTn id="7" dur="400"/>
+                                        <p:tgtEl>
+                                          <p:spTgt spid="2"/>
+                                        </p:tgtEl>
+                                      </p:cBhvr>
+                                    </p:animEffect>
+                                  </p:childTnLst>
+                                </p:cTn>
+                              </p:par>
+                            </p:childTnLst>
+                          </p:cTn>
+                        </p:par>
+                      </p:childTnLst>
+                    </p:cTn>
+                  </p:par>
+                </p:childTnLst>
+              </p:cTn>
+              <p:prevCondLst>
+                <p:cond evt="onPrev" delay="0">
+                  <p:tgtEl>
+                    <p:sldTgt/>
+                  </p:tgtEl>
+                </p:cond>
+              </p:prevCondLst>
+              <p:nextCondLst>
+                <p:cond evt="onNext" delay="0">
+                  <p:tgtEl>
+                    <p:sldTgt/>
+                  </p:tgtEl>
+                </p:cond>
+              </p:nextCondLst>
+            </p:seq>
+          </p:childTnLst>
+        </p:cTn>
+      </p:par>
+    </p:tnLst>
+    <p:bldLst>
+      <p:bldP spid="2" grpId="0"/>
+    </p:bldLst>
+  </p:timing>
+</p:sld>
+</file>
+
+<file path=ppt/slides/slide9.xml><?xml version="1.0" encoding="utf-8"?>
 <p:sld xmlns:a="http://schemas.openxmlformats.org/drawingml/2006/main" xmlns:r="http://schemas.openxmlformats.org/officeDocument/2006/relationships" xmlns:p="http://schemas.openxmlformats.org/presentationml/2006/main">
   <p:cSld>
     <p:bg>
@@ -22598,326 +22926,6 @@
     <p:extLst>
       <p:ext uri="{BB962C8B-B14F-4D97-AF65-F5344CB8AC3E}">
         <p14:creationId xmlns:p14="http://schemas.microsoft.com/office/powerpoint/2010/main" val="793540657"/>
-      </p:ext>
-    </p:extLst>
-  </p:cSld>
-  <p:clrMapOvr>
-    <a:masterClrMapping/>
-  </p:clrMapOvr>
-</p:sld>
-</file>
-
-<file path=ppt/slides/slide9.xml><?xml version="1.0" encoding="utf-8"?>
-<p:sld xmlns:a="http://schemas.openxmlformats.org/drawingml/2006/main" xmlns:r="http://schemas.openxmlformats.org/officeDocument/2006/relationships" xmlns:p="http://schemas.openxmlformats.org/presentationml/2006/main">
-  <p:cSld>
-    <p:spTree>
-      <p:nvGrpSpPr>
-        <p:cNvPr id="1" name=""/>
-        <p:cNvGrpSpPr/>
-        <p:nvPr/>
-      </p:nvGrpSpPr>
-      <p:grpSpPr>
-        <a:xfrm>
-          <a:off x="0" y="0"/>
-          <a:ext cx="0" cy="0"/>
-          <a:chOff x="0" y="0"/>
-          <a:chExt cx="0" cy="0"/>
-        </a:xfrm>
-      </p:grpSpPr>
-      <p:sp>
-        <p:nvSpPr>
-          <p:cNvPr id="2" name="Title 1">
-            <a:extLst>
-              <a:ext uri="{FF2B5EF4-FFF2-40B4-BE49-F238E27FC236}">
-                <a16:creationId xmlns:a16="http://schemas.microsoft.com/office/drawing/2014/main" id="{AD21B2CB-2EBE-4A30-BD57-6D35C84CE2CD}"/>
-              </a:ext>
-            </a:extLst>
-          </p:cNvPr>
-          <p:cNvSpPr>
-            <a:spLocks noGrp="1"/>
-          </p:cNvSpPr>
-          <p:nvPr>
-            <p:ph type="title"/>
-          </p:nvPr>
-        </p:nvSpPr>
-        <p:spPr>
-          <a:xfrm>
-            <a:off x="312907" y="-73076"/>
-            <a:ext cx="10515600" cy="1325563"/>
-          </a:xfrm>
-        </p:spPr>
-        <p:txBody>
-          <a:bodyPr>
-            <a:normAutofit/>
-          </a:bodyPr>
-          <a:lstStyle/>
-          <a:p>
-            <a:r>
-              <a:rPr lang="en-GB" sz="2800" dirty="0"/>
-              <a:t>Build the Bot cont.</a:t>
-            </a:r>
-          </a:p>
-        </p:txBody>
-      </p:sp>
-      <p:pic>
-        <p:nvPicPr>
-          <p:cNvPr id="5" name="Content Placeholder 4">
-            <a:extLst>
-              <a:ext uri="{FF2B5EF4-FFF2-40B4-BE49-F238E27FC236}">
-                <a16:creationId xmlns:a16="http://schemas.microsoft.com/office/drawing/2014/main" id="{0D72E4DA-4DC4-4CBE-BB00-CF7209E6A386}"/>
-              </a:ext>
-            </a:extLst>
-          </p:cNvPr>
-          <p:cNvPicPr>
-            <a:picLocks noGrp="1" noChangeAspect="1"/>
-          </p:cNvPicPr>
-          <p:nvPr>
-            <p:ph idx="1"/>
-          </p:nvPr>
-        </p:nvPicPr>
-        <p:blipFill>
-          <a:blip r:embed="rId2"/>
-          <a:stretch>
-            <a:fillRect/>
-          </a:stretch>
-        </p:blipFill>
-        <p:spPr>
-          <a:xfrm>
-            <a:off x="5327190" y="201370"/>
-            <a:ext cx="5979918" cy="4214375"/>
-          </a:xfrm>
-          <a:effectLst>
-            <a:glow rad="228600">
-              <a:srgbClr val="0070C0">
-                <a:alpha val="40000"/>
-              </a:srgbClr>
-            </a:glow>
-          </a:effectLst>
-        </p:spPr>
-      </p:pic>
-      <p:pic>
-        <p:nvPicPr>
-          <p:cNvPr id="7" name="Picture 6">
-            <a:extLst>
-              <a:ext uri="{FF2B5EF4-FFF2-40B4-BE49-F238E27FC236}">
-                <a16:creationId xmlns:a16="http://schemas.microsoft.com/office/drawing/2014/main" id="{7A213E73-9396-426D-AF0A-D16FD5EBA6E2}"/>
-              </a:ext>
-            </a:extLst>
-          </p:cNvPr>
-          <p:cNvPicPr>
-            <a:picLocks noChangeAspect="1"/>
-          </p:cNvPicPr>
-          <p:nvPr/>
-        </p:nvPicPr>
-        <p:blipFill>
-          <a:blip r:embed="rId3"/>
-          <a:stretch>
-            <a:fillRect/>
-          </a:stretch>
-        </p:blipFill>
-        <p:spPr>
-          <a:xfrm>
-            <a:off x="5902555" y="2998221"/>
-            <a:ext cx="5811168" cy="3728075"/>
-          </a:xfrm>
-          <a:prstGeom prst="rect">
-            <a:avLst/>
-          </a:prstGeom>
-          <a:effectLst>
-            <a:glow rad="228600">
-              <a:schemeClr val="accent2">
-                <a:satMod val="175000"/>
-                <a:alpha val="40000"/>
-              </a:schemeClr>
-            </a:glow>
-          </a:effectLst>
-        </p:spPr>
-      </p:pic>
-      <p:sp>
-        <p:nvSpPr>
-          <p:cNvPr id="10" name="Rectangle 9">
-            <a:extLst>
-              <a:ext uri="{FF2B5EF4-FFF2-40B4-BE49-F238E27FC236}">
-                <a16:creationId xmlns:a16="http://schemas.microsoft.com/office/drawing/2014/main" id="{FF37201D-4845-4082-B3C6-4DA8CA4EF266}"/>
-              </a:ext>
-            </a:extLst>
-          </p:cNvPr>
-          <p:cNvSpPr/>
-          <p:nvPr/>
-        </p:nvSpPr>
-        <p:spPr>
-          <a:xfrm>
-            <a:off x="8317149" y="6153074"/>
-            <a:ext cx="1887166" cy="379379"/>
-          </a:xfrm>
-          <a:prstGeom prst="rect">
-            <a:avLst/>
-          </a:prstGeom>
-          <a:noFill/>
-          <a:ln w="25400"/>
-        </p:spPr>
-        <p:style>
-          <a:lnRef idx="2">
-            <a:schemeClr val="accent1">
-              <a:shade val="50000"/>
-            </a:schemeClr>
-          </a:lnRef>
-          <a:fillRef idx="1">
-            <a:schemeClr val="accent1"/>
-          </a:fillRef>
-          <a:effectRef idx="0">
-            <a:schemeClr val="accent1"/>
-          </a:effectRef>
-          <a:fontRef idx="minor">
-            <a:schemeClr val="lt1"/>
-          </a:fontRef>
-        </p:style>
-        <p:txBody>
-          <a:bodyPr rtlCol="0" anchor="ctr"/>
-          <a:lstStyle/>
-          <a:p>
-            <a:pPr algn="ctr"/>
-            <a:endParaRPr lang="en-GB"/>
-          </a:p>
-        </p:txBody>
-      </p:sp>
-      <p:pic>
-        <p:nvPicPr>
-          <p:cNvPr id="20" name="Picture 19">
-            <a:extLst>
-              <a:ext uri="{FF2B5EF4-FFF2-40B4-BE49-F238E27FC236}">
-                <a16:creationId xmlns:a16="http://schemas.microsoft.com/office/drawing/2014/main" id="{6B5671A0-4873-4F13-8D07-E38183D37717}"/>
-              </a:ext>
-            </a:extLst>
-          </p:cNvPr>
-          <p:cNvPicPr>
-            <a:picLocks noChangeAspect="1"/>
-          </p:cNvPicPr>
-          <p:nvPr/>
-        </p:nvPicPr>
-        <p:blipFill>
-          <a:blip r:embed="rId4"/>
-          <a:stretch>
-            <a:fillRect/>
-          </a:stretch>
-        </p:blipFill>
-        <p:spPr>
-          <a:xfrm>
-            <a:off x="116082" y="1260892"/>
-            <a:ext cx="5979918" cy="4459789"/>
-          </a:xfrm>
-          <a:prstGeom prst="rect">
-            <a:avLst/>
-          </a:prstGeom>
-          <a:effectLst>
-            <a:glow rad="228600">
-              <a:schemeClr val="accent6">
-                <a:satMod val="175000"/>
-                <a:alpha val="40000"/>
-              </a:schemeClr>
-            </a:glow>
-          </a:effectLst>
-        </p:spPr>
-      </p:pic>
-      <p:cxnSp>
-        <p:nvCxnSpPr>
-          <p:cNvPr id="9" name="Straight Arrow Connector 8">
-            <a:extLst>
-              <a:ext uri="{FF2B5EF4-FFF2-40B4-BE49-F238E27FC236}">
-                <a16:creationId xmlns:a16="http://schemas.microsoft.com/office/drawing/2014/main" id="{C24DC4C1-5474-49D4-B39F-C90C1513C29C}"/>
-              </a:ext>
-            </a:extLst>
-          </p:cNvPr>
-          <p:cNvCxnSpPr>
-            <a:cxnSpLocks/>
-          </p:cNvCxnSpPr>
-          <p:nvPr/>
-        </p:nvCxnSpPr>
-        <p:spPr>
-          <a:xfrm flipV="1">
-            <a:off x="3106041" y="531636"/>
-            <a:ext cx="3187755" cy="2515223"/>
-          </a:xfrm>
-          <a:prstGeom prst="straightConnector1">
-            <a:avLst/>
-          </a:prstGeom>
-          <a:ln w="25400">
-            <a:tailEnd type="triangle"/>
-          </a:ln>
-          <a:effectLst>
-            <a:glow rad="127000">
-              <a:schemeClr val="accent6">
-                <a:lumMod val="60000"/>
-                <a:lumOff val="40000"/>
-              </a:schemeClr>
-            </a:glow>
-          </a:effectLst>
-        </p:spPr>
-        <p:style>
-          <a:lnRef idx="1">
-            <a:schemeClr val="accent1"/>
-          </a:lnRef>
-          <a:fillRef idx="0">
-            <a:schemeClr val="accent1"/>
-          </a:fillRef>
-          <a:effectRef idx="0">
-            <a:schemeClr val="accent1"/>
-          </a:effectRef>
-          <a:fontRef idx="minor">
-            <a:schemeClr val="tx1"/>
-          </a:fontRef>
-        </p:style>
-      </p:cxnSp>
-      <p:cxnSp>
-        <p:nvCxnSpPr>
-          <p:cNvPr id="18" name="Straight Arrow Connector 17">
-            <a:extLst>
-              <a:ext uri="{FF2B5EF4-FFF2-40B4-BE49-F238E27FC236}">
-                <a16:creationId xmlns:a16="http://schemas.microsoft.com/office/drawing/2014/main" id="{E5789473-6D1C-49F9-81DA-753CEF9AB6F6}"/>
-              </a:ext>
-            </a:extLst>
-          </p:cNvPr>
-          <p:cNvCxnSpPr>
-            <a:cxnSpLocks/>
-          </p:cNvCxnSpPr>
-          <p:nvPr/>
-        </p:nvCxnSpPr>
-        <p:spPr>
-          <a:xfrm>
-            <a:off x="3325907" y="4228526"/>
-            <a:ext cx="4991242" cy="2006904"/>
-          </a:xfrm>
-          <a:prstGeom prst="straightConnector1">
-            <a:avLst/>
-          </a:prstGeom>
-          <a:ln w="25400">
-            <a:tailEnd type="triangle"/>
-          </a:ln>
-          <a:effectLst>
-            <a:glow rad="127000">
-              <a:srgbClr val="92D050"/>
-            </a:glow>
-          </a:effectLst>
-        </p:spPr>
-        <p:style>
-          <a:lnRef idx="1">
-            <a:schemeClr val="accent1"/>
-          </a:lnRef>
-          <a:fillRef idx="0">
-            <a:schemeClr val="accent1"/>
-          </a:fillRef>
-          <a:effectRef idx="0">
-            <a:schemeClr val="accent1"/>
-          </a:effectRef>
-          <a:fontRef idx="minor">
-            <a:schemeClr val="tx1"/>
-          </a:fontRef>
-        </p:style>
-      </p:cxnSp>
-    </p:spTree>
-    <p:extLst>
-      <p:ext uri="{BB962C8B-B14F-4D97-AF65-F5344CB8AC3E}">
-        <p14:creationId xmlns:p14="http://schemas.microsoft.com/office/powerpoint/2010/main" val="1421620631"/>
       </p:ext>
     </p:extLst>
   </p:cSld>
